--- a/usepicture/GN.pptx
+++ b/usepicture/GN.pptx
@@ -104,6 +104,11 @@
       </a:defRPr>
     </a:lvl9pPr>
   </p:defaultTextStyle>
+  <p:extLst>
+    <p:ext uri="{EFAFB233-063F-42B5-8137-9DF3F51BA10A}">
+      <p15:sldGuideLst xmlns:p15="http://schemas.microsoft.com/office/powerpoint/2012/main"/>
+    </p:ext>
+  </p:extLst>
 </p:presentation>
 </file>
 
@@ -238,7 +243,7 @@
           <a:p>
             <a:fld id="{3F254157-E5C7-4417-A0D3-A6974E7EE980}" type="datetimeFigureOut">
               <a:rPr lang="ko-KR" altLang="en-US" smtClean="0"/>
-              <a:t>2020-01-06</a:t>
+              <a:t>2020-01-07</a:t>
             </a:fld>
             <a:endParaRPr lang="ko-KR" altLang="en-US"/>
           </a:p>
@@ -408,7 +413,7 @@
           <a:p>
             <a:fld id="{3F254157-E5C7-4417-A0D3-A6974E7EE980}" type="datetimeFigureOut">
               <a:rPr lang="ko-KR" altLang="en-US" smtClean="0"/>
-              <a:t>2020-01-06</a:t>
+              <a:t>2020-01-07</a:t>
             </a:fld>
             <a:endParaRPr lang="ko-KR" altLang="en-US"/>
           </a:p>
@@ -588,7 +593,7 @@
           <a:p>
             <a:fld id="{3F254157-E5C7-4417-A0D3-A6974E7EE980}" type="datetimeFigureOut">
               <a:rPr lang="ko-KR" altLang="en-US" smtClean="0"/>
-              <a:t>2020-01-06</a:t>
+              <a:t>2020-01-07</a:t>
             </a:fld>
             <a:endParaRPr lang="ko-KR" altLang="en-US"/>
           </a:p>
@@ -758,7 +763,7 @@
           <a:p>
             <a:fld id="{3F254157-E5C7-4417-A0D3-A6974E7EE980}" type="datetimeFigureOut">
               <a:rPr lang="ko-KR" altLang="en-US" smtClean="0"/>
-              <a:t>2020-01-06</a:t>
+              <a:t>2020-01-07</a:t>
             </a:fld>
             <a:endParaRPr lang="ko-KR" altLang="en-US"/>
           </a:p>
@@ -1004,7 +1009,7 @@
           <a:p>
             <a:fld id="{3F254157-E5C7-4417-A0D3-A6974E7EE980}" type="datetimeFigureOut">
               <a:rPr lang="ko-KR" altLang="en-US" smtClean="0"/>
-              <a:t>2020-01-06</a:t>
+              <a:t>2020-01-07</a:t>
             </a:fld>
             <a:endParaRPr lang="ko-KR" altLang="en-US"/>
           </a:p>
@@ -1236,7 +1241,7 @@
           <a:p>
             <a:fld id="{3F254157-E5C7-4417-A0D3-A6974E7EE980}" type="datetimeFigureOut">
               <a:rPr lang="ko-KR" altLang="en-US" smtClean="0"/>
-              <a:t>2020-01-06</a:t>
+              <a:t>2020-01-07</a:t>
             </a:fld>
             <a:endParaRPr lang="ko-KR" altLang="en-US"/>
           </a:p>
@@ -1603,7 +1608,7 @@
           <a:p>
             <a:fld id="{3F254157-E5C7-4417-A0D3-A6974E7EE980}" type="datetimeFigureOut">
               <a:rPr lang="ko-KR" altLang="en-US" smtClean="0"/>
-              <a:t>2020-01-06</a:t>
+              <a:t>2020-01-07</a:t>
             </a:fld>
             <a:endParaRPr lang="ko-KR" altLang="en-US"/>
           </a:p>
@@ -1721,7 +1726,7 @@
           <a:p>
             <a:fld id="{3F254157-E5C7-4417-A0D3-A6974E7EE980}" type="datetimeFigureOut">
               <a:rPr lang="ko-KR" altLang="en-US" smtClean="0"/>
-              <a:t>2020-01-06</a:t>
+              <a:t>2020-01-07</a:t>
             </a:fld>
             <a:endParaRPr lang="ko-KR" altLang="en-US"/>
           </a:p>
@@ -1816,7 +1821,7 @@
           <a:p>
             <a:fld id="{3F254157-E5C7-4417-A0D3-A6974E7EE980}" type="datetimeFigureOut">
               <a:rPr lang="ko-KR" altLang="en-US" smtClean="0"/>
-              <a:t>2020-01-06</a:t>
+              <a:t>2020-01-07</a:t>
             </a:fld>
             <a:endParaRPr lang="ko-KR" altLang="en-US"/>
           </a:p>
@@ -2093,7 +2098,7 @@
           <a:p>
             <a:fld id="{3F254157-E5C7-4417-A0D3-A6974E7EE980}" type="datetimeFigureOut">
               <a:rPr lang="ko-KR" altLang="en-US" smtClean="0"/>
-              <a:t>2020-01-06</a:t>
+              <a:t>2020-01-07</a:t>
             </a:fld>
             <a:endParaRPr lang="ko-KR" altLang="en-US"/>
           </a:p>
@@ -2346,7 +2351,7 @@
           <a:p>
             <a:fld id="{3F254157-E5C7-4417-A0D3-A6974E7EE980}" type="datetimeFigureOut">
               <a:rPr lang="ko-KR" altLang="en-US" smtClean="0"/>
-              <a:t>2020-01-06</a:t>
+              <a:t>2020-01-07</a:t>
             </a:fld>
             <a:endParaRPr lang="ko-KR" altLang="en-US"/>
           </a:p>
@@ -2559,7 +2564,7 @@
           <a:p>
             <a:fld id="{3F254157-E5C7-4417-A0D3-A6974E7EE980}" type="datetimeFigureOut">
               <a:rPr lang="ko-KR" altLang="en-US" smtClean="0"/>
-              <a:t>2020-01-06</a:t>
+              <a:t>2020-01-07</a:t>
             </a:fld>
             <a:endParaRPr lang="ko-KR" altLang="en-US"/>
           </a:p>
@@ -3054,6 +3059,42 @@
           </a:p>
         </p:txBody>
       </p:sp>
+      <p:pic>
+        <p:nvPicPr>
+          <p:cNvPr id="9" name="그림 8"/>
+          <p:cNvPicPr>
+            <a:picLocks noChangeAspect="1"/>
+          </p:cNvPicPr>
+          <p:nvPr/>
+        </p:nvPicPr>
+        <p:blipFill>
+          <a:blip r:embed="rId2">
+            <a:extLst>
+              <a:ext uri="{BEBA8EAE-BF5A-486C-A8C5-ECC9F3942E4B}">
+                <a14:imgProps xmlns:a14="http://schemas.microsoft.com/office/drawing/2010/main">
+                  <a14:imgLayer r:embed="rId3">
+                    <a14:imgEffect>
+                      <a14:backgroundRemoval t="0" b="100000" l="0" r="100000"/>
+                    </a14:imgEffect>
+                  </a14:imgLayer>
+                </a14:imgProps>
+              </a:ext>
+            </a:extLst>
+          </a:blip>
+          <a:stretch>
+            <a:fillRect/>
+          </a:stretch>
+        </p:blipFill>
+        <p:spPr>
+          <a:xfrm>
+            <a:off x="85736" y="2219473"/>
+            <a:ext cx="3518037" cy="3285400"/>
+          </a:xfrm>
+          <a:prstGeom prst="rect">
+            <a:avLst/>
+          </a:prstGeom>
+        </p:spPr>
+      </p:pic>
     </p:spTree>
     <p:extLst>
       <p:ext uri="{BB962C8B-B14F-4D97-AF65-F5344CB8AC3E}">

--- a/usepicture/GN.pptx
+++ b/usepicture/GN.pptx
@@ -2969,72 +2969,98 @@
           <a:chExt cx="0" cy="0"/>
         </a:xfrm>
       </p:grpSpPr>
-      <p:sp>
-        <p:nvSpPr>
-          <p:cNvPr id="4" name="TextBox 3"/>
-          <p:cNvSpPr txBox="1"/>
+      <p:grpSp>
+        <p:nvGrpSpPr>
+          <p:cNvPr id="7" name="그룹 6"/>
+          <p:cNvGrpSpPr/>
           <p:nvPr/>
-        </p:nvSpPr>
-        <p:spPr>
+        </p:nvGrpSpPr>
+        <p:grpSpPr>
           <a:xfrm>
-            <a:off x="4433454" y="1071418"/>
-            <a:ext cx="1893455" cy="3170099"/>
+            <a:off x="6475721" y="516941"/>
+            <a:ext cx="1926323" cy="3827553"/>
+            <a:chOff x="5347313" y="1129783"/>
+            <a:chExt cx="1926323" cy="3827553"/>
           </a:xfrm>
-          <a:prstGeom prst="rect">
-            <a:avLst/>
-          </a:prstGeom>
-          <a:noFill/>
-        </p:spPr>
-        <p:txBody>
-          <a:bodyPr wrap="square" rtlCol="0">
-            <a:spAutoFit/>
-          </a:bodyPr>
-          <a:lstStyle/>
-          <a:p>
-            <a:r>
-              <a:rPr lang="en-US" altLang="ko-KR" sz="20000" dirty="0">
+        </p:grpSpPr>
+        <p:sp>
+          <p:nvSpPr>
+            <p:cNvPr id="4" name="TextBox 3"/>
+            <p:cNvSpPr txBox="1"/>
+            <p:nvPr/>
+          </p:nvSpPr>
+          <p:spPr>
+            <a:xfrm>
+              <a:off x="5347313" y="1129783"/>
+              <a:ext cx="1893455" cy="3170099"/>
+            </a:xfrm>
+            <a:prstGeom prst="rect">
+              <a:avLst/>
+            </a:prstGeom>
+            <a:noFill/>
+          </p:spPr>
+          <p:txBody>
+            <a:bodyPr wrap="square" rtlCol="0">
+              <a:spAutoFit/>
+            </a:bodyPr>
+            <a:lstStyle/>
+            <a:p>
+              <a:r>
+                <a:rPr lang="en-US" altLang="ko-KR" sz="20000" dirty="0">
+                  <a:solidFill>
+                    <a:schemeClr val="accent1"/>
+                  </a:solidFill>
+                  <a:latin typeface="배달의민족 주아" panose="02020603020101020101" pitchFamily="18" charset="-127"/>
+                  <a:ea typeface="배달의민족 주아" panose="02020603020101020101" pitchFamily="18" charset="-127"/>
+                </a:rPr>
+                <a:t>G</a:t>
+              </a:r>
+              <a:endParaRPr lang="ko-KR" altLang="en-US" sz="20000" dirty="0">
                 <a:solidFill>
                   <a:schemeClr val="accent1"/>
                 </a:solidFill>
                 <a:latin typeface="배달의민족 주아" panose="02020603020101020101" pitchFamily="18" charset="-127"/>
                 <a:ea typeface="배달의민족 주아" panose="02020603020101020101" pitchFamily="18" charset="-127"/>
-              </a:rPr>
-              <a:t>G</a:t>
-            </a:r>
-            <a:endParaRPr lang="ko-KR" altLang="en-US" sz="20000" dirty="0">
-              <a:solidFill>
-                <a:schemeClr val="accent1"/>
-              </a:solidFill>
-              <a:latin typeface="배달의민족 주아" panose="02020603020101020101" pitchFamily="18" charset="-127"/>
-              <a:ea typeface="배달의민족 주아" panose="02020603020101020101" pitchFamily="18" charset="-127"/>
-            </a:endParaRPr>
-          </a:p>
-        </p:txBody>
-      </p:sp>
-      <p:sp>
-        <p:nvSpPr>
-          <p:cNvPr id="5" name="TextBox 4"/>
-          <p:cNvSpPr txBox="1"/>
-          <p:nvPr/>
-        </p:nvSpPr>
-        <p:spPr>
-          <a:xfrm rot="1760381">
-            <a:off x="5380181" y="1787237"/>
-            <a:ext cx="1893455" cy="3170099"/>
-          </a:xfrm>
-          <a:prstGeom prst="rect">
-            <a:avLst/>
-          </a:prstGeom>
-          <a:noFill/>
-        </p:spPr>
-        <p:txBody>
-          <a:bodyPr wrap="square" rtlCol="0">
-            <a:spAutoFit/>
-          </a:bodyPr>
-          <a:lstStyle/>
-          <a:p>
-            <a:r>
-              <a:rPr lang="en-US" altLang="ko-KR" sz="20000" dirty="0">
+              </a:endParaRPr>
+            </a:p>
+          </p:txBody>
+        </p:sp>
+        <p:sp>
+          <p:nvSpPr>
+            <p:cNvPr id="5" name="TextBox 4"/>
+            <p:cNvSpPr txBox="1"/>
+            <p:nvPr/>
+          </p:nvSpPr>
+          <p:spPr>
+            <a:xfrm rot="1760381">
+              <a:off x="5380181" y="1787237"/>
+              <a:ext cx="1893455" cy="3170099"/>
+            </a:xfrm>
+            <a:prstGeom prst="rect">
+              <a:avLst/>
+            </a:prstGeom>
+            <a:noFill/>
+          </p:spPr>
+          <p:txBody>
+            <a:bodyPr wrap="square" rtlCol="0">
+              <a:spAutoFit/>
+            </a:bodyPr>
+            <a:lstStyle/>
+            <a:p>
+              <a:r>
+                <a:rPr lang="en-US" altLang="ko-KR" sz="20000" dirty="0">
+                  <a:solidFill>
+                    <a:schemeClr val="accent4">
+                      <a:lumMod val="60000"/>
+                      <a:lumOff val="40000"/>
+                    </a:schemeClr>
+                  </a:solidFill>
+                  <a:latin typeface="배달의민족 주아" panose="02020603020101020101" pitchFamily="18" charset="-127"/>
+                  <a:ea typeface="배달의민족 주아" panose="02020603020101020101" pitchFamily="18" charset="-127"/>
+                </a:rPr>
+                <a:t>N</a:t>
+              </a:r>
+              <a:endParaRPr lang="ko-KR" altLang="en-US" sz="20000" dirty="0">
                 <a:solidFill>
                   <a:schemeClr val="accent4">
                     <a:lumMod val="60000"/>
@@ -3043,22 +3069,11 @@
                 </a:solidFill>
                 <a:latin typeface="배달의민족 주아" panose="02020603020101020101" pitchFamily="18" charset="-127"/>
                 <a:ea typeface="배달의민족 주아" panose="02020603020101020101" pitchFamily="18" charset="-127"/>
-              </a:rPr>
-              <a:t>N</a:t>
-            </a:r>
-            <a:endParaRPr lang="ko-KR" altLang="en-US" sz="20000" dirty="0">
-              <a:solidFill>
-                <a:schemeClr val="accent4">
-                  <a:lumMod val="60000"/>
-                  <a:lumOff val="40000"/>
-                </a:schemeClr>
-              </a:solidFill>
-              <a:latin typeface="배달의민족 주아" panose="02020603020101020101" pitchFamily="18" charset="-127"/>
-              <a:ea typeface="배달의민족 주아" panose="02020603020101020101" pitchFamily="18" charset="-127"/>
-            </a:endParaRPr>
-          </a:p>
-        </p:txBody>
-      </p:sp>
+              </a:endParaRPr>
+            </a:p>
+          </p:txBody>
+        </p:sp>
+      </p:grpSp>
       <p:pic>
         <p:nvPicPr>
           <p:cNvPr id="9" name="그림 8"/>
@@ -3087,8 +3102,146 @@
         </p:blipFill>
         <p:spPr>
           <a:xfrm>
-            <a:off x="85736" y="2219473"/>
+            <a:off x="862886" y="241429"/>
             <a:ext cx="3518037" cy="3285400"/>
+          </a:xfrm>
+          <a:prstGeom prst="rect">
+            <a:avLst/>
+          </a:prstGeom>
+        </p:spPr>
+      </p:pic>
+      <p:grpSp>
+        <p:nvGrpSpPr>
+          <p:cNvPr id="6" name="그룹 5"/>
+          <p:cNvGrpSpPr/>
+          <p:nvPr/>
+        </p:nvGrpSpPr>
+        <p:grpSpPr>
+          <a:xfrm>
+            <a:off x="7928852" y="2039024"/>
+            <a:ext cx="3178882" cy="3178882"/>
+            <a:chOff x="7928852" y="2039024"/>
+            <a:chExt cx="3178882" cy="3178882"/>
+          </a:xfrm>
+        </p:grpSpPr>
+        <p:sp>
+          <p:nvSpPr>
+            <p:cNvPr id="2" name="타원 1"/>
+            <p:cNvSpPr/>
+            <p:nvPr/>
+          </p:nvSpPr>
+          <p:spPr>
+            <a:xfrm>
+              <a:off x="7928852" y="2039024"/>
+              <a:ext cx="3178882" cy="3178882"/>
+            </a:xfrm>
+            <a:prstGeom prst="ellipse">
+              <a:avLst/>
+            </a:prstGeom>
+            <a:noFill/>
+            <a:ln w="38100">
+              <a:solidFill>
+                <a:schemeClr val="tx1">
+                  <a:lumMod val="75000"/>
+                  <a:lumOff val="25000"/>
+                </a:schemeClr>
+              </a:solidFill>
+            </a:ln>
+          </p:spPr>
+          <p:style>
+            <a:lnRef idx="2">
+              <a:schemeClr val="dk1">
+                <a:shade val="50000"/>
+              </a:schemeClr>
+            </a:lnRef>
+            <a:fillRef idx="1">
+              <a:schemeClr val="dk1"/>
+            </a:fillRef>
+            <a:effectRef idx="0">
+              <a:schemeClr val="dk1"/>
+            </a:effectRef>
+            <a:fontRef idx="minor">
+              <a:schemeClr val="lt1"/>
+            </a:fontRef>
+          </p:style>
+          <p:txBody>
+            <a:bodyPr rtlCol="0" anchor="ctr"/>
+            <a:lstStyle/>
+            <a:p>
+              <a:pPr algn="ctr"/>
+              <a:endParaRPr lang="ko-KR" altLang="en-US" dirty="0"/>
+            </a:p>
+          </p:txBody>
+        </p:sp>
+        <p:pic>
+          <p:nvPicPr>
+            <p:cNvPr id="3" name="그림 2"/>
+            <p:cNvPicPr>
+              <a:picLocks noChangeAspect="1"/>
+            </p:cNvPicPr>
+            <p:nvPr/>
+          </p:nvPicPr>
+          <p:blipFill>
+            <a:blip r:embed="rId4">
+              <a:extLst>
+                <a:ext uri="{BEBA8EAE-BF5A-486C-A8C5-ECC9F3942E4B}">
+                  <a14:imgProps xmlns:a14="http://schemas.microsoft.com/office/drawing/2010/main">
+                    <a14:imgLayer r:embed="rId5">
+                      <a14:imgEffect>
+                        <a14:backgroundRemoval t="9981" b="92322" l="9954" r="96991">
+                          <a14:foregroundMark x1="74306" y1="34933" x2="74306" y2="34933"/>
+                        </a14:backgroundRemoval>
+                      </a14:imgEffect>
+                    </a14:imgLayer>
+                  </a14:imgProps>
+                </a:ext>
+              </a:extLst>
+            </a:blip>
+            <a:stretch>
+              <a:fillRect/>
+            </a:stretch>
+          </p:blipFill>
+          <p:spPr>
+            <a:xfrm>
+              <a:off x="8220363" y="2097647"/>
+              <a:ext cx="2370084" cy="2858365"/>
+            </a:xfrm>
+            <a:prstGeom prst="rect">
+              <a:avLst/>
+            </a:prstGeom>
+          </p:spPr>
+        </p:pic>
+      </p:grpSp>
+      <p:pic>
+        <p:nvPicPr>
+          <p:cNvPr id="10" name="그림 9"/>
+          <p:cNvPicPr>
+            <a:picLocks noChangeAspect="1"/>
+          </p:cNvPicPr>
+          <p:nvPr/>
+        </p:nvPicPr>
+        <p:blipFill>
+          <a:blip r:embed="rId2">
+            <a:extLst>
+              <a:ext uri="{BEBA8EAE-BF5A-486C-A8C5-ECC9F3942E4B}">
+                <a14:imgProps xmlns:a14="http://schemas.microsoft.com/office/drawing/2010/main">
+                  <a14:imgLayer r:embed="rId3">
+                    <a14:imgEffect>
+                      <a14:backgroundRemoval t="0" b="100000" l="0" r="100000"/>
+                    </a14:imgEffect>
+                  </a14:imgLayer>
+                </a14:imgProps>
+              </a:ext>
+            </a:extLst>
+          </a:blip>
+          <a:stretch>
+            <a:fillRect/>
+          </a:stretch>
+        </p:blipFill>
+        <p:spPr>
+          <a:xfrm flipH="1">
+            <a:off x="862886" y="3575206"/>
+            <a:ext cx="3518036" cy="3285400"/>
           </a:xfrm>
           <a:prstGeom prst="rect">
             <a:avLst/>

--- a/usepicture/GN.pptx
+++ b/usepicture/GN.pptx
@@ -6,6 +6,7 @@
   </p:sldMasterIdLst>
   <p:sldIdLst>
     <p:sldId id="256" r:id="rId2"/>
+    <p:sldId id="257" r:id="rId3"/>
   </p:sldIdLst>
   <p:sldSz cx="12192000" cy="6858000"/>
   <p:notesSz cx="6858000" cy="9144000"/>
@@ -243,7 +244,7 @@
           <a:p>
             <a:fld id="{3F254157-E5C7-4417-A0D3-A6974E7EE980}" type="datetimeFigureOut">
               <a:rPr lang="ko-KR" altLang="en-US" smtClean="0"/>
-              <a:t>2020-01-07</a:t>
+              <a:t>2020-01-13</a:t>
             </a:fld>
             <a:endParaRPr lang="ko-KR" altLang="en-US"/>
           </a:p>
@@ -413,7 +414,7 @@
           <a:p>
             <a:fld id="{3F254157-E5C7-4417-A0D3-A6974E7EE980}" type="datetimeFigureOut">
               <a:rPr lang="ko-KR" altLang="en-US" smtClean="0"/>
-              <a:t>2020-01-07</a:t>
+              <a:t>2020-01-13</a:t>
             </a:fld>
             <a:endParaRPr lang="ko-KR" altLang="en-US"/>
           </a:p>
@@ -593,7 +594,7 @@
           <a:p>
             <a:fld id="{3F254157-E5C7-4417-A0D3-A6974E7EE980}" type="datetimeFigureOut">
               <a:rPr lang="ko-KR" altLang="en-US" smtClean="0"/>
-              <a:t>2020-01-07</a:t>
+              <a:t>2020-01-13</a:t>
             </a:fld>
             <a:endParaRPr lang="ko-KR" altLang="en-US"/>
           </a:p>
@@ -763,7 +764,7 @@
           <a:p>
             <a:fld id="{3F254157-E5C7-4417-A0D3-A6974E7EE980}" type="datetimeFigureOut">
               <a:rPr lang="ko-KR" altLang="en-US" smtClean="0"/>
-              <a:t>2020-01-07</a:t>
+              <a:t>2020-01-13</a:t>
             </a:fld>
             <a:endParaRPr lang="ko-KR" altLang="en-US"/>
           </a:p>
@@ -1009,7 +1010,7 @@
           <a:p>
             <a:fld id="{3F254157-E5C7-4417-A0D3-A6974E7EE980}" type="datetimeFigureOut">
               <a:rPr lang="ko-KR" altLang="en-US" smtClean="0"/>
-              <a:t>2020-01-07</a:t>
+              <a:t>2020-01-13</a:t>
             </a:fld>
             <a:endParaRPr lang="ko-KR" altLang="en-US"/>
           </a:p>
@@ -1241,7 +1242,7 @@
           <a:p>
             <a:fld id="{3F254157-E5C7-4417-A0D3-A6974E7EE980}" type="datetimeFigureOut">
               <a:rPr lang="ko-KR" altLang="en-US" smtClean="0"/>
-              <a:t>2020-01-07</a:t>
+              <a:t>2020-01-13</a:t>
             </a:fld>
             <a:endParaRPr lang="ko-KR" altLang="en-US"/>
           </a:p>
@@ -1608,7 +1609,7 @@
           <a:p>
             <a:fld id="{3F254157-E5C7-4417-A0D3-A6974E7EE980}" type="datetimeFigureOut">
               <a:rPr lang="ko-KR" altLang="en-US" smtClean="0"/>
-              <a:t>2020-01-07</a:t>
+              <a:t>2020-01-13</a:t>
             </a:fld>
             <a:endParaRPr lang="ko-KR" altLang="en-US"/>
           </a:p>
@@ -1726,7 +1727,7 @@
           <a:p>
             <a:fld id="{3F254157-E5C7-4417-A0D3-A6974E7EE980}" type="datetimeFigureOut">
               <a:rPr lang="ko-KR" altLang="en-US" smtClean="0"/>
-              <a:t>2020-01-07</a:t>
+              <a:t>2020-01-13</a:t>
             </a:fld>
             <a:endParaRPr lang="ko-KR" altLang="en-US"/>
           </a:p>
@@ -1821,7 +1822,7 @@
           <a:p>
             <a:fld id="{3F254157-E5C7-4417-A0D3-A6974E7EE980}" type="datetimeFigureOut">
               <a:rPr lang="ko-KR" altLang="en-US" smtClean="0"/>
-              <a:t>2020-01-07</a:t>
+              <a:t>2020-01-13</a:t>
             </a:fld>
             <a:endParaRPr lang="ko-KR" altLang="en-US"/>
           </a:p>
@@ -2098,7 +2099,7 @@
           <a:p>
             <a:fld id="{3F254157-E5C7-4417-A0D3-A6974E7EE980}" type="datetimeFigureOut">
               <a:rPr lang="ko-KR" altLang="en-US" smtClean="0"/>
-              <a:t>2020-01-07</a:t>
+              <a:t>2020-01-13</a:t>
             </a:fld>
             <a:endParaRPr lang="ko-KR" altLang="en-US"/>
           </a:p>
@@ -2351,7 +2352,7 @@
           <a:p>
             <a:fld id="{3F254157-E5C7-4417-A0D3-A6974E7EE980}" type="datetimeFigureOut">
               <a:rPr lang="ko-KR" altLang="en-US" smtClean="0"/>
-              <a:t>2020-01-07</a:t>
+              <a:t>2020-01-13</a:t>
             </a:fld>
             <a:endParaRPr lang="ko-KR" altLang="en-US"/>
           </a:p>
@@ -2564,7 +2565,7 @@
           <a:p>
             <a:fld id="{3F254157-E5C7-4417-A0D3-A6974E7EE980}" type="datetimeFigureOut">
               <a:rPr lang="ko-KR" altLang="en-US" smtClean="0"/>
-              <a:t>2020-01-07</a:t>
+              <a:t>2020-01-13</a:t>
             </a:fld>
             <a:endParaRPr lang="ko-KR" altLang="en-US"/>
           </a:p>
@@ -3261,6 +3262,36 @@
 </p:sld>
 </file>
 
+<file path=ppt/slides/slide2.xml><?xml version="1.0" encoding="utf-8"?>
+<p:sld xmlns:a="http://schemas.openxmlformats.org/drawingml/2006/main" xmlns:r="http://schemas.openxmlformats.org/officeDocument/2006/relationships" xmlns:p="http://schemas.openxmlformats.org/presentationml/2006/main">
+  <p:cSld>
+    <p:spTree>
+      <p:nvGrpSpPr>
+        <p:cNvPr id="1" name=""/>
+        <p:cNvGrpSpPr/>
+        <p:nvPr/>
+      </p:nvGrpSpPr>
+      <p:grpSpPr>
+        <a:xfrm>
+          <a:off x="0" y="0"/>
+          <a:ext cx="0" cy="0"/>
+          <a:chOff x="0" y="0"/>
+          <a:chExt cx="0" cy="0"/>
+        </a:xfrm>
+      </p:grpSpPr>
+    </p:spTree>
+    <p:extLst>
+      <p:ext uri="{BB962C8B-B14F-4D97-AF65-F5344CB8AC3E}">
+        <p14:creationId xmlns:p14="http://schemas.microsoft.com/office/powerpoint/2010/main" val="1807480629"/>
+      </p:ext>
+    </p:extLst>
+  </p:cSld>
+  <p:clrMapOvr>
+    <a:masterClrMapping/>
+  </p:clrMapOvr>
+</p:sld>
+</file>
+
 <file path=ppt/theme/theme1.xml><?xml version="1.0" encoding="utf-8"?>
 <a:theme xmlns:a="http://schemas.openxmlformats.org/drawingml/2006/main" name="Office 테마">
   <a:themeElements>
